--- a/ProjectPP.pptx
+++ b/ProjectPP.pptx
@@ -114,6 +114,11 @@
       </a:defRPr>
     </a:lvl9pPr>
   </p:defaultTextStyle>
+  <p:extLst>
+    <p:ext uri="{EFAFB233-063F-42B5-8137-9DF3F51BA10A}">
+      <p15:sldGuideLst xmlns:p15="http://schemas.microsoft.com/office/powerpoint/2012/main"/>
+    </p:ext>
+  </p:extLst>
 </p:presentation>
 </file>
 
@@ -5444,7 +5449,6 @@
               <a:rPr lang="en-US"/>
               <a:t>Click to edit Master title style</a:t>
             </a:r>
-            <a:endParaRPr lang="en-US"/>
           </a:p>
         </p:txBody>
       </p:sp>
@@ -5509,7 +5513,6 @@
               <a:rPr lang="en-US"/>
               <a:t>Click to edit Master subtitle style</a:t>
             </a:r>
-            <a:endParaRPr lang="en-US"/>
           </a:p>
         </p:txBody>
       </p:sp>
@@ -5530,7 +5533,7 @@
           <a:p>
             <a:fld id="{4E90060A-79D7-4C06-BBB9-9982727F13B3}" type="datetimeFigureOut">
               <a:rPr lang="en-US" smtClean="0"/>
-              <a:t>4/23/2017</a:t>
+              <a:t>4/26/2017</a:t>
             </a:fld>
             <a:endParaRPr lang="en-US"/>
           </a:p>
@@ -5627,7 +5630,6 @@
               <a:rPr lang="en-US"/>
               <a:t>Click to edit Master title style</a:t>
             </a:r>
-            <a:endParaRPr lang="en-US"/>
           </a:p>
         </p:txBody>
       </p:sp>
@@ -5679,7 +5681,6 @@
               <a:rPr lang="en-US"/>
               <a:t>Fifth level</a:t>
             </a:r>
-            <a:endParaRPr lang="en-US"/>
           </a:p>
         </p:txBody>
       </p:sp>
@@ -5700,7 +5701,7 @@
           <a:p>
             <a:fld id="{4E90060A-79D7-4C06-BBB9-9982727F13B3}" type="datetimeFigureOut">
               <a:rPr lang="en-US" smtClean="0"/>
-              <a:t>4/23/2017</a:t>
+              <a:t>4/26/2017</a:t>
             </a:fld>
             <a:endParaRPr lang="en-US"/>
           </a:p>
@@ -5802,7 +5803,6 @@
               <a:rPr lang="en-US"/>
               <a:t>Click to edit Master title style</a:t>
             </a:r>
-            <a:endParaRPr lang="en-US"/>
           </a:p>
         </p:txBody>
       </p:sp>
@@ -5859,7 +5859,6 @@
               <a:rPr lang="en-US"/>
               <a:t>Fifth level</a:t>
             </a:r>
-            <a:endParaRPr lang="en-US"/>
           </a:p>
         </p:txBody>
       </p:sp>
@@ -5880,7 +5879,7 @@
           <a:p>
             <a:fld id="{4E90060A-79D7-4C06-BBB9-9982727F13B3}" type="datetimeFigureOut">
               <a:rPr lang="en-US" smtClean="0"/>
-              <a:t>4/23/2017</a:t>
+              <a:t>4/26/2017</a:t>
             </a:fld>
             <a:endParaRPr lang="en-US"/>
           </a:p>
@@ -5977,7 +5976,6 @@
               <a:rPr lang="en-US"/>
               <a:t>Click to edit Master title style</a:t>
             </a:r>
-            <a:endParaRPr lang="en-US"/>
           </a:p>
         </p:txBody>
       </p:sp>
@@ -6029,7 +6027,6 @@
               <a:rPr lang="en-US"/>
               <a:t>Fifth level</a:t>
             </a:r>
-            <a:endParaRPr lang="en-US"/>
           </a:p>
         </p:txBody>
       </p:sp>
@@ -6050,7 +6047,7 @@
           <a:p>
             <a:fld id="{4E90060A-79D7-4C06-BBB9-9982727F13B3}" type="datetimeFigureOut">
               <a:rPr lang="en-US" smtClean="0"/>
-              <a:t>4/23/2017</a:t>
+              <a:t>4/26/2017</a:t>
             </a:fld>
             <a:endParaRPr lang="en-US"/>
           </a:p>
@@ -6156,7 +6153,6 @@
               <a:rPr lang="en-US"/>
               <a:t>Click to edit Master title style</a:t>
             </a:r>
-            <a:endParaRPr lang="en-US"/>
           </a:p>
         </p:txBody>
       </p:sp>
@@ -6296,7 +6292,7 @@
           <a:p>
             <a:fld id="{4E90060A-79D7-4C06-BBB9-9982727F13B3}" type="datetimeFigureOut">
               <a:rPr lang="en-US" smtClean="0"/>
-              <a:t>4/23/2017</a:t>
+              <a:t>4/26/2017</a:t>
             </a:fld>
             <a:endParaRPr lang="en-US"/>
           </a:p>
@@ -6393,7 +6389,6 @@
               <a:rPr lang="en-US"/>
               <a:t>Click to edit Master title style</a:t>
             </a:r>
-            <a:endParaRPr lang="en-US"/>
           </a:p>
         </p:txBody>
       </p:sp>
@@ -6450,7 +6445,6 @@
               <a:rPr lang="en-US"/>
               <a:t>Fifth level</a:t>
             </a:r>
-            <a:endParaRPr lang="en-US"/>
           </a:p>
         </p:txBody>
       </p:sp>
@@ -6507,7 +6501,6 @@
               <a:rPr lang="en-US"/>
               <a:t>Fifth level</a:t>
             </a:r>
-            <a:endParaRPr lang="en-US"/>
           </a:p>
         </p:txBody>
       </p:sp>
@@ -6528,7 +6521,7 @@
           <a:p>
             <a:fld id="{4E90060A-79D7-4C06-BBB9-9982727F13B3}" type="datetimeFigureOut">
               <a:rPr lang="en-US" smtClean="0"/>
-              <a:t>4/23/2017</a:t>
+              <a:t>4/26/2017</a:t>
             </a:fld>
             <a:endParaRPr lang="en-US"/>
           </a:p>
@@ -6630,7 +6623,6 @@
               <a:rPr lang="en-US"/>
               <a:t>Click to edit Master title style</a:t>
             </a:r>
-            <a:endParaRPr lang="en-US"/>
           </a:p>
         </p:txBody>
       </p:sp>
@@ -6752,7 +6744,6 @@
               <a:rPr lang="en-US"/>
               <a:t>Fifth level</a:t>
             </a:r>
-            <a:endParaRPr lang="en-US"/>
           </a:p>
         </p:txBody>
       </p:sp>
@@ -6874,7 +6865,6 @@
               <a:rPr lang="en-US"/>
               <a:t>Fifth level</a:t>
             </a:r>
-            <a:endParaRPr lang="en-US"/>
           </a:p>
         </p:txBody>
       </p:sp>
@@ -6895,7 +6885,7 @@
           <a:p>
             <a:fld id="{4E90060A-79D7-4C06-BBB9-9982727F13B3}" type="datetimeFigureOut">
               <a:rPr lang="en-US" smtClean="0"/>
-              <a:t>4/23/2017</a:t>
+              <a:t>4/26/2017</a:t>
             </a:fld>
             <a:endParaRPr lang="en-US"/>
           </a:p>
@@ -6992,7 +6982,6 @@
               <a:rPr lang="en-US"/>
               <a:t>Click to edit Master title style</a:t>
             </a:r>
-            <a:endParaRPr lang="en-US"/>
           </a:p>
         </p:txBody>
       </p:sp>
@@ -7013,7 +7002,7 @@
           <a:p>
             <a:fld id="{4E90060A-79D7-4C06-BBB9-9982727F13B3}" type="datetimeFigureOut">
               <a:rPr lang="en-US" smtClean="0"/>
-              <a:t>4/23/2017</a:t>
+              <a:t>4/26/2017</a:t>
             </a:fld>
             <a:endParaRPr lang="en-US"/>
           </a:p>
@@ -7108,7 +7097,7 @@
           <a:p>
             <a:fld id="{4E90060A-79D7-4C06-BBB9-9982727F13B3}" type="datetimeFigureOut">
               <a:rPr lang="en-US" smtClean="0"/>
-              <a:t>4/23/2017</a:t>
+              <a:t>4/26/2017</a:t>
             </a:fld>
             <a:endParaRPr lang="en-US"/>
           </a:p>
@@ -7214,7 +7203,6 @@
               <a:rPr lang="en-US"/>
               <a:t>Click to edit Master title style</a:t>
             </a:r>
-            <a:endParaRPr lang="en-US"/>
           </a:p>
         </p:txBody>
       </p:sp>
@@ -7299,7 +7287,6 @@
               <a:rPr lang="en-US"/>
               <a:t>Fifth level</a:t>
             </a:r>
-            <a:endParaRPr lang="en-US"/>
           </a:p>
         </p:txBody>
       </p:sp>
@@ -7385,7 +7372,7 @@
           <a:p>
             <a:fld id="{4E90060A-79D7-4C06-BBB9-9982727F13B3}" type="datetimeFigureOut">
               <a:rPr lang="en-US" smtClean="0"/>
-              <a:t>4/23/2017</a:t>
+              <a:t>4/26/2017</a:t>
             </a:fld>
             <a:endParaRPr lang="en-US"/>
           </a:p>
@@ -7491,7 +7478,6 @@
               <a:rPr lang="en-US"/>
               <a:t>Click to edit Master title style</a:t>
             </a:r>
-            <a:endParaRPr lang="en-US"/>
           </a:p>
         </p:txBody>
       </p:sp>
@@ -7638,7 +7624,7 @@
           <a:p>
             <a:fld id="{4E90060A-79D7-4C06-BBB9-9982727F13B3}" type="datetimeFigureOut">
               <a:rPr lang="en-US" smtClean="0"/>
-              <a:t>4/23/2017</a:t>
+              <a:t>4/26/2017</a:t>
             </a:fld>
             <a:endParaRPr lang="en-US"/>
           </a:p>
@@ -7750,7 +7736,6 @@
               <a:rPr lang="en-US"/>
               <a:t>Click to edit Master title style</a:t>
             </a:r>
-            <a:endParaRPr lang="en-US"/>
           </a:p>
         </p:txBody>
       </p:sp>
@@ -7812,7 +7797,6 @@
               <a:rPr lang="en-US"/>
               <a:t>Fifth level</a:t>
             </a:r>
-            <a:endParaRPr lang="en-US"/>
           </a:p>
         </p:txBody>
       </p:sp>
@@ -7851,7 +7835,7 @@
           <a:p>
             <a:fld id="{4E90060A-79D7-4C06-BBB9-9982727F13B3}" type="datetimeFigureOut">
               <a:rPr lang="en-US" smtClean="0"/>
-              <a:t>4/23/2017</a:t>
+              <a:t>4/26/2017</a:t>
             </a:fld>
             <a:endParaRPr lang="en-US"/>
           </a:p>
@@ -9277,8 +9261,13 @@
             </a:pPr>
             <a:r>
               <a:rPr lang="en-US" dirty="0"/>
-              <a:t>I use the genetic algorithm when the predator must decide which path to take to get to a water tile in the grid. Using the genetic algorithm in this way returns an entire path, which the predator can then use to travel efficiently to the closest water source.</a:t>
-            </a:r>
+              <a:t>I use the genetic algorithm when the predator must decide which path to take to get to a water tile in the grid. Using the genetic algorithm in this way returns an entire path, which the predator can then use to travel efficiently to the closest water source. Each individual vector is a direction (left, right, up, down) and represents a move for </a:t>
+            </a:r>
+            <a:r>
+              <a:rPr lang="en-US"/>
+              <a:t>the predator.</a:t>
+            </a:r>
+            <a:endParaRPr lang="en-US" dirty="0"/>
           </a:p>
           <a:p>
             <a:endParaRPr lang="en-US" dirty="0"/>
